--- a/자료/Ch2. Boolean1 part2.pptx
+++ b/자료/Ch2. Boolean1 part2.pptx
@@ -4285,7 +4285,13 @@
                   <p:embed/>
                   <p:pic>
                     <p:nvPicPr>
-                      <p:cNvPr id="0" name="Object 5"/>
+                      <p:cNvPr id="19460" name="Object 5">
+                        <a:extLst>
+                          <a:ext uri="{FF2B5EF4-FFF2-40B4-BE49-F238E27FC236}">
+                            <a16:creationId xmlns:a16="http://schemas.microsoft.com/office/drawing/2014/main" id="{8537F2DC-8E62-45D3-B27D-D1BC05B6F004}"/>
+                          </a:ext>
+                        </a:extLst>
+                      </p:cNvPr>
                       <p:cNvPicPr>
                         <a:picLocks noChangeAspect="1" noChangeArrowheads="1"/>
                       </p:cNvPicPr>
@@ -4379,7 +4385,13 @@
                   <p:embed/>
                   <p:pic>
                     <p:nvPicPr>
-                      <p:cNvPr id="0" name="Object 6"/>
+                      <p:cNvPr id="19461" name="Object 6">
+                        <a:extLst>
+                          <a:ext uri="{FF2B5EF4-FFF2-40B4-BE49-F238E27FC236}">
+                            <a16:creationId xmlns:a16="http://schemas.microsoft.com/office/drawing/2014/main" id="{CFF4629B-182D-41E7-86B7-7B1C1A7ACAB8}"/>
+                          </a:ext>
+                        </a:extLst>
+                      </p:cNvPr>
                       <p:cNvPicPr>
                         <a:picLocks noChangeAspect="1" noChangeArrowheads="1"/>
                       </p:cNvPicPr>
@@ -6574,7 +6586,13 @@
                   <p:embed/>
                   <p:pic>
                     <p:nvPicPr>
-                      <p:cNvPr id="0" name="Object 6"/>
+                      <p:cNvPr id="24580" name="Object 6">
+                        <a:extLst>
+                          <a:ext uri="{FF2B5EF4-FFF2-40B4-BE49-F238E27FC236}">
+                            <a16:creationId xmlns:a16="http://schemas.microsoft.com/office/drawing/2014/main" id="{0D1B6938-C565-4991-9E51-8D2BC56F680E}"/>
+                          </a:ext>
+                        </a:extLst>
+                      </p:cNvPr>
                       <p:cNvPicPr>
                         <a:picLocks noChangeAspect="1" noChangeArrowheads="1"/>
                       </p:cNvPicPr>
@@ -6695,7 +6713,13 @@
                     <p:embed/>
                     <p:pic>
                       <p:nvPicPr>
-                        <p:cNvPr id="0" name="Object 7"/>
+                        <p:cNvPr id="24592" name="Object 7">
+                          <a:extLst>
+                            <a:ext uri="{FF2B5EF4-FFF2-40B4-BE49-F238E27FC236}">
+                              <a16:creationId xmlns:a16="http://schemas.microsoft.com/office/drawing/2014/main" id="{41E3304F-6EC5-4617-B93F-C79E01F92D56}"/>
+                            </a:ext>
+                          </a:extLst>
+                        </p:cNvPr>
                         <p:cNvPicPr>
                           <a:picLocks noChangeAspect="1" noChangeArrowheads="1"/>
                         </p:cNvPicPr>
@@ -6794,7 +6818,13 @@
                     <p:embed/>
                     <p:pic>
                       <p:nvPicPr>
-                        <p:cNvPr id="0" name="Object 8"/>
+                        <p:cNvPr id="24593" name="Object 8">
+                          <a:extLst>
+                            <a:ext uri="{FF2B5EF4-FFF2-40B4-BE49-F238E27FC236}">
+                              <a16:creationId xmlns:a16="http://schemas.microsoft.com/office/drawing/2014/main" id="{34A36EF9-33EB-4870-93E8-7D26AA58FB13}"/>
+                            </a:ext>
+                          </a:extLst>
+                        </p:cNvPr>
                         <p:cNvPicPr>
                           <a:picLocks noChangeAspect="1" noChangeArrowheads="1"/>
                         </p:cNvPicPr>
@@ -6894,7 +6924,13 @@
                   <p:embed/>
                   <p:pic>
                     <p:nvPicPr>
-                      <p:cNvPr id="0" name="Object 9"/>
+                      <p:cNvPr id="24582" name="Object 9">
+                        <a:extLst>
+                          <a:ext uri="{FF2B5EF4-FFF2-40B4-BE49-F238E27FC236}">
+                            <a16:creationId xmlns:a16="http://schemas.microsoft.com/office/drawing/2014/main" id="{9FD417A6-0C5C-4EB5-AAEE-0AAA484DC021}"/>
+                          </a:ext>
+                        </a:extLst>
+                      </p:cNvPr>
                       <p:cNvPicPr>
                         <a:picLocks noChangeAspect="1" noChangeArrowheads="1"/>
                       </p:cNvPicPr>
@@ -7782,7 +7818,13 @@
                   <p:embed/>
                   <p:pic>
                     <p:nvPicPr>
-                      <p:cNvPr id="0" name="Object 16"/>
+                      <p:cNvPr id="24588" name="Object 16">
+                        <a:extLst>
+                          <a:ext uri="{FF2B5EF4-FFF2-40B4-BE49-F238E27FC236}">
+                            <a16:creationId xmlns:a16="http://schemas.microsoft.com/office/drawing/2014/main" id="{BDF37D87-D4A9-43FA-8A93-E500E712289C}"/>
+                          </a:ext>
+                        </a:extLst>
+                      </p:cNvPr>
                       <p:cNvPicPr>
                         <a:picLocks noChangeAspect="1" noChangeArrowheads="1"/>
                       </p:cNvPicPr>
@@ -8245,7 +8287,13 @@
                   <p:embed/>
                   <p:pic>
                     <p:nvPicPr>
-                      <p:cNvPr id="0" name="Object 4"/>
+                      <p:cNvPr id="25603" name="Object 4">
+                        <a:extLst>
+                          <a:ext uri="{FF2B5EF4-FFF2-40B4-BE49-F238E27FC236}">
+                            <a16:creationId xmlns:a16="http://schemas.microsoft.com/office/drawing/2014/main" id="{0DBB5BBD-6F6B-412B-9F8F-876BC5E51BB3}"/>
+                          </a:ext>
+                        </a:extLst>
+                      </p:cNvPr>
                       <p:cNvPicPr>
                         <a:picLocks noChangeAspect="1" noChangeArrowheads="1"/>
                       </p:cNvPicPr>
@@ -8344,7 +8392,13 @@
                   <p:embed/>
                   <p:pic>
                     <p:nvPicPr>
-                      <p:cNvPr id="0" name="Object 5"/>
+                      <p:cNvPr id="25604" name="Object 5">
+                        <a:extLst>
+                          <a:ext uri="{FF2B5EF4-FFF2-40B4-BE49-F238E27FC236}">
+                            <a16:creationId xmlns:a16="http://schemas.microsoft.com/office/drawing/2014/main" id="{4D848FA1-75DC-4ACB-BC4F-6B5AA1DCEA39}"/>
+                          </a:ext>
+                        </a:extLst>
+                      </p:cNvPr>
                       <p:cNvPicPr>
                         <a:picLocks noChangeAspect="1" noChangeArrowheads="1"/>
                       </p:cNvPicPr>
@@ -8443,7 +8497,13 @@
                   <p:embed/>
                   <p:pic>
                     <p:nvPicPr>
-                      <p:cNvPr id="0" name="Object 6"/>
+                      <p:cNvPr id="25605" name="Object 6">
+                        <a:extLst>
+                          <a:ext uri="{FF2B5EF4-FFF2-40B4-BE49-F238E27FC236}">
+                            <a16:creationId xmlns:a16="http://schemas.microsoft.com/office/drawing/2014/main" id="{52A1C844-DF73-45C4-8959-DAE6CF070CED}"/>
+                          </a:ext>
+                        </a:extLst>
+                      </p:cNvPr>
                       <p:cNvPicPr>
                         <a:picLocks noChangeAspect="1" noChangeArrowheads="1"/>
                       </p:cNvPicPr>
@@ -8542,7 +8602,13 @@
                   <p:embed/>
                   <p:pic>
                     <p:nvPicPr>
-                      <p:cNvPr id="0" name="Object 7"/>
+                      <p:cNvPr id="25606" name="Object 7">
+                        <a:extLst>
+                          <a:ext uri="{FF2B5EF4-FFF2-40B4-BE49-F238E27FC236}">
+                            <a16:creationId xmlns:a16="http://schemas.microsoft.com/office/drawing/2014/main" id="{9EE89EB7-A0FC-449B-88D5-434827FA8B95}"/>
+                          </a:ext>
+                        </a:extLst>
+                      </p:cNvPr>
                       <p:cNvPicPr>
                         <a:picLocks noChangeAspect="1" noChangeArrowheads="1"/>
                       </p:cNvPicPr>
@@ -8641,7 +8707,13 @@
                   <p:embed/>
                   <p:pic>
                     <p:nvPicPr>
-                      <p:cNvPr id="0" name="Object 8"/>
+                      <p:cNvPr id="25607" name="Object 8">
+                        <a:extLst>
+                          <a:ext uri="{FF2B5EF4-FFF2-40B4-BE49-F238E27FC236}">
+                            <a16:creationId xmlns:a16="http://schemas.microsoft.com/office/drawing/2014/main" id="{C22A2E01-01FF-42E8-AD22-A672BF368F32}"/>
+                          </a:ext>
+                        </a:extLst>
+                      </p:cNvPr>
                       <p:cNvPicPr>
                         <a:picLocks noChangeAspect="1" noChangeArrowheads="1"/>
                       </p:cNvPicPr>
@@ -8740,7 +8812,13 @@
                   <p:embed/>
                   <p:pic>
                     <p:nvPicPr>
-                      <p:cNvPr id="0" name="Object 9"/>
+                      <p:cNvPr id="25608" name="Object 9">
+                        <a:extLst>
+                          <a:ext uri="{FF2B5EF4-FFF2-40B4-BE49-F238E27FC236}">
+                            <a16:creationId xmlns:a16="http://schemas.microsoft.com/office/drawing/2014/main" id="{4FD3F78B-636B-4705-8DE1-8FBE70034409}"/>
+                          </a:ext>
+                        </a:extLst>
+                      </p:cNvPr>
                       <p:cNvPicPr>
                         <a:picLocks noChangeAspect="1" noChangeArrowheads="1"/>
                       </p:cNvPicPr>
@@ -8839,7 +8917,13 @@
                   <p:embed/>
                   <p:pic>
                     <p:nvPicPr>
-                      <p:cNvPr id="0" name="Object 10"/>
+                      <p:cNvPr id="25609" name="Object 10">
+                        <a:extLst>
+                          <a:ext uri="{FF2B5EF4-FFF2-40B4-BE49-F238E27FC236}">
+                            <a16:creationId xmlns:a16="http://schemas.microsoft.com/office/drawing/2014/main" id="{4E1B0E6C-32B9-4B6C-9965-8D48385E2206}"/>
+                          </a:ext>
+                        </a:extLst>
+                      </p:cNvPr>
                       <p:cNvPicPr>
                         <a:picLocks noChangeAspect="1" noChangeArrowheads="1"/>
                       </p:cNvPicPr>
@@ -8938,7 +9022,13 @@
                   <p:embed/>
                   <p:pic>
                     <p:nvPicPr>
-                      <p:cNvPr id="0" name="Object 11"/>
+                      <p:cNvPr id="25610" name="Object 11">
+                        <a:extLst>
+                          <a:ext uri="{FF2B5EF4-FFF2-40B4-BE49-F238E27FC236}">
+                            <a16:creationId xmlns:a16="http://schemas.microsoft.com/office/drawing/2014/main" id="{19EF8C9D-19E6-491B-865F-741FBC514D79}"/>
+                          </a:ext>
+                        </a:extLst>
+                      </p:cNvPr>
                       <p:cNvPicPr>
                         <a:picLocks noChangeAspect="1" noChangeArrowheads="1"/>
                       </p:cNvPicPr>
@@ -9718,7 +9808,13 @@
                   <p:embed/>
                   <p:pic>
                     <p:nvPicPr>
-                      <p:cNvPr id="0" name="Object 19"/>
+                      <p:cNvPr id="25616" name="Object 19">
+                        <a:extLst>
+                          <a:ext uri="{FF2B5EF4-FFF2-40B4-BE49-F238E27FC236}">
+                            <a16:creationId xmlns:a16="http://schemas.microsoft.com/office/drawing/2014/main" id="{B002345E-3775-4CDD-947B-BDB67B3E81AC}"/>
+                          </a:ext>
+                        </a:extLst>
+                      </p:cNvPr>
                       <p:cNvPicPr>
                         <a:picLocks noChangeAspect="1" noChangeArrowheads="1"/>
                       </p:cNvPicPr>
@@ -9981,7 +10077,13 @@
                   <p:embed/>
                   <p:pic>
                     <p:nvPicPr>
-                      <p:cNvPr id="0" name="Object 21"/>
+                      <p:cNvPr id="25618" name="Object 21">
+                        <a:extLst>
+                          <a:ext uri="{FF2B5EF4-FFF2-40B4-BE49-F238E27FC236}">
+                            <a16:creationId xmlns:a16="http://schemas.microsoft.com/office/drawing/2014/main" id="{D67B88C6-0FB6-46E5-A9CE-73E80CD313E0}"/>
+                          </a:ext>
+                        </a:extLst>
+                      </p:cNvPr>
                       <p:cNvPicPr>
                         <a:picLocks noChangeAspect="1" noChangeArrowheads="1"/>
                       </p:cNvPicPr>
@@ -10451,7 +10553,13 @@
                   <p:embed/>
                   <p:pic>
                     <p:nvPicPr>
-                      <p:cNvPr id="0" name="Object 3"/>
+                      <p:cNvPr id="26627" name="Object 3">
+                        <a:extLst>
+                          <a:ext uri="{FF2B5EF4-FFF2-40B4-BE49-F238E27FC236}">
+                            <a16:creationId xmlns:a16="http://schemas.microsoft.com/office/drawing/2014/main" id="{ED207982-C57C-4CD0-8AD5-0CF2A88BBDA3}"/>
+                          </a:ext>
+                        </a:extLst>
+                      </p:cNvPr>
                       <p:cNvPicPr>
                         <a:picLocks noChangeAspect="1" noChangeArrowheads="1"/>
                       </p:cNvPicPr>
@@ -10527,7 +10635,13 @@
                   <p:embed/>
                   <p:pic>
                     <p:nvPicPr>
-                      <p:cNvPr id="0" name="Object 4"/>
+                      <p:cNvPr id="26628" name="Object 4">
+                        <a:extLst>
+                          <a:ext uri="{FF2B5EF4-FFF2-40B4-BE49-F238E27FC236}">
+                            <a16:creationId xmlns:a16="http://schemas.microsoft.com/office/drawing/2014/main" id="{7A07CC73-6FA5-4A93-8945-8F3A6942790A}"/>
+                          </a:ext>
+                        </a:extLst>
+                      </p:cNvPr>
                       <p:cNvPicPr>
                         <a:picLocks noChangeAspect="1" noChangeArrowheads="1"/>
                       </p:cNvPicPr>
@@ -10604,7 +10718,13 @@
                   <p:embed/>
                   <p:pic>
                     <p:nvPicPr>
-                      <p:cNvPr id="0" name="Object 5"/>
+                      <p:cNvPr id="26629" name="Object 5">
+                        <a:extLst>
+                          <a:ext uri="{FF2B5EF4-FFF2-40B4-BE49-F238E27FC236}">
+                            <a16:creationId xmlns:a16="http://schemas.microsoft.com/office/drawing/2014/main" id="{1206DF44-6EE2-4689-91F2-B3159F0CB9E2}"/>
+                          </a:ext>
+                        </a:extLst>
+                      </p:cNvPr>
                       <p:cNvPicPr>
                         <a:picLocks noChangeAspect="1" noChangeArrowheads="1"/>
                       </p:cNvPicPr>
@@ -10681,7 +10801,13 @@
                   <p:embed/>
                   <p:pic>
                     <p:nvPicPr>
-                      <p:cNvPr id="0" name="Object 6"/>
+                      <p:cNvPr id="26630" name="Object 6">
+                        <a:extLst>
+                          <a:ext uri="{FF2B5EF4-FFF2-40B4-BE49-F238E27FC236}">
+                            <a16:creationId xmlns:a16="http://schemas.microsoft.com/office/drawing/2014/main" id="{1799DF74-757F-4DE9-BB00-F14CA44A8EEA}"/>
+                          </a:ext>
+                        </a:extLst>
+                      </p:cNvPr>
                       <p:cNvPicPr>
                         <a:picLocks noChangeAspect="1" noChangeArrowheads="1"/>
                       </p:cNvPicPr>
@@ -12700,7 +12826,13 @@
                   <p:embed/>
                   <p:pic>
                     <p:nvPicPr>
-                      <p:cNvPr id="0" name="Object 3"/>
+                      <p:cNvPr id="20483" name="Object 3">
+                        <a:extLst>
+                          <a:ext uri="{FF2B5EF4-FFF2-40B4-BE49-F238E27FC236}">
+                            <a16:creationId xmlns:a16="http://schemas.microsoft.com/office/drawing/2014/main" id="{8B902CBC-EAD5-4C2C-BE3F-D4387E95741D}"/>
+                          </a:ext>
+                        </a:extLst>
+                      </p:cNvPr>
                       <p:cNvPicPr>
                         <a:picLocks noChangeAspect="1" noChangeArrowheads="1"/>
                       </p:cNvPicPr>
@@ -12776,7 +12908,13 @@
                   <p:embed/>
                   <p:pic>
                     <p:nvPicPr>
-                      <p:cNvPr id="0" name="Object 7"/>
+                      <p:cNvPr id="20485" name="Object 7">
+                        <a:extLst>
+                          <a:ext uri="{FF2B5EF4-FFF2-40B4-BE49-F238E27FC236}">
+                            <a16:creationId xmlns:a16="http://schemas.microsoft.com/office/drawing/2014/main" id="{D583C05B-C77F-449C-B921-EEF9DDAF6136}"/>
+                          </a:ext>
+                        </a:extLst>
+                      </p:cNvPr>
                       <p:cNvPicPr>
                         <a:picLocks noChangeAspect="1" noChangeArrowheads="1"/>
                       </p:cNvPicPr>
@@ -13432,7 +13570,13 @@
                   <p:embed/>
                   <p:pic>
                     <p:nvPicPr>
-                      <p:cNvPr id="0" name="Object 4"/>
+                      <p:cNvPr id="21507" name="Object 4">
+                        <a:extLst>
+                          <a:ext uri="{FF2B5EF4-FFF2-40B4-BE49-F238E27FC236}">
+                            <a16:creationId xmlns:a16="http://schemas.microsoft.com/office/drawing/2014/main" id="{2DB8A350-1269-4F26-90DB-17F4C9953B26}"/>
+                          </a:ext>
+                        </a:extLst>
+                      </p:cNvPr>
                       <p:cNvPicPr>
                         <a:picLocks noChangeAspect="1" noChangeArrowheads="1"/>
                       </p:cNvPicPr>
@@ -13531,7 +13675,13 @@
                   <p:embed/>
                   <p:pic>
                     <p:nvPicPr>
-                      <p:cNvPr id="0" name="Object 5"/>
+                      <p:cNvPr id="21508" name="Object 5">
+                        <a:extLst>
+                          <a:ext uri="{FF2B5EF4-FFF2-40B4-BE49-F238E27FC236}">
+                            <a16:creationId xmlns:a16="http://schemas.microsoft.com/office/drawing/2014/main" id="{806FE201-4827-426B-833B-537933FB48F5}"/>
+                          </a:ext>
+                        </a:extLst>
+                      </p:cNvPr>
                       <p:cNvPicPr>
                         <a:picLocks noChangeAspect="1" noChangeArrowheads="1"/>
                       </p:cNvPicPr>
@@ -13625,7 +13775,13 @@
                   <p:embed/>
                   <p:pic>
                     <p:nvPicPr>
-                      <p:cNvPr id="0" name="Object 6"/>
+                      <p:cNvPr id="21509" name="Object 6">
+                        <a:extLst>
+                          <a:ext uri="{FF2B5EF4-FFF2-40B4-BE49-F238E27FC236}">
+                            <a16:creationId xmlns:a16="http://schemas.microsoft.com/office/drawing/2014/main" id="{4BB5375E-D6F8-41AE-A259-EABA6E8931C8}"/>
+                          </a:ext>
+                        </a:extLst>
+                      </p:cNvPr>
                       <p:cNvPicPr>
                         <a:picLocks noChangeAspect="1" noChangeArrowheads="1"/>
                       </p:cNvPicPr>
@@ -13724,7 +13880,13 @@
                   <p:embed/>
                   <p:pic>
                     <p:nvPicPr>
-                      <p:cNvPr id="0" name="Object 7"/>
+                      <p:cNvPr id="21510" name="Object 7">
+                        <a:extLst>
+                          <a:ext uri="{FF2B5EF4-FFF2-40B4-BE49-F238E27FC236}">
+                            <a16:creationId xmlns:a16="http://schemas.microsoft.com/office/drawing/2014/main" id="{3D79EA8B-DE23-476D-83B2-894E62378F67}"/>
+                          </a:ext>
+                        </a:extLst>
+                      </p:cNvPr>
                       <p:cNvPicPr>
                         <a:picLocks noChangeAspect="1" noChangeArrowheads="1"/>
                       </p:cNvPicPr>
@@ -13823,7 +13985,13 @@
                   <p:embed/>
                   <p:pic>
                     <p:nvPicPr>
-                      <p:cNvPr id="0" name="Object 9"/>
+                      <p:cNvPr id="21511" name="Object 9">
+                        <a:extLst>
+                          <a:ext uri="{FF2B5EF4-FFF2-40B4-BE49-F238E27FC236}">
+                            <a16:creationId xmlns:a16="http://schemas.microsoft.com/office/drawing/2014/main" id="{6D285171-8F0E-431E-90DE-9CD5936D6CF9}"/>
+                          </a:ext>
+                        </a:extLst>
+                      </p:cNvPr>
                       <p:cNvPicPr>
                         <a:picLocks noChangeAspect="1" noChangeArrowheads="1"/>
                       </p:cNvPicPr>
@@ -20922,7 +21090,13 @@
                   <p:embed/>
                   <p:pic>
                     <p:nvPicPr>
-                      <p:cNvPr id="0" name="Object 239"/>
+                      <p:cNvPr id="28703" name="Object 239">
+                        <a:extLst>
+                          <a:ext uri="{FF2B5EF4-FFF2-40B4-BE49-F238E27FC236}">
+                            <a16:creationId xmlns:a16="http://schemas.microsoft.com/office/drawing/2014/main" id="{86E4658D-D679-4874-867B-7D322D3248C6}"/>
+                          </a:ext>
+                        </a:extLst>
+                      </p:cNvPr>
                       <p:cNvPicPr>
                         <a:picLocks noChangeAspect="1" noChangeArrowheads="1"/>
                       </p:cNvPicPr>
@@ -21022,7 +21196,13 @@
                   <p:embed/>
                   <p:pic>
                     <p:nvPicPr>
-                      <p:cNvPr id="0" name="Object 240"/>
+                      <p:cNvPr id="28704" name="Object 240">
+                        <a:extLst>
+                          <a:ext uri="{FF2B5EF4-FFF2-40B4-BE49-F238E27FC236}">
+                            <a16:creationId xmlns:a16="http://schemas.microsoft.com/office/drawing/2014/main" id="{1DE86732-BCF3-42BC-A11A-033576F383FA}"/>
+                          </a:ext>
+                        </a:extLst>
+                      </p:cNvPr>
                       <p:cNvPicPr>
                         <a:picLocks noChangeAspect="1" noChangeArrowheads="1"/>
                       </p:cNvPicPr>
@@ -21859,10 +22039,10 @@
                   <p:embed/>
                   <p:pic>
                     <p:nvPicPr>
-                      <p:cNvPr id="5" name="Object 241">
+                      <p:cNvPr id="13" name="Object 241">
                         <a:extLst>
                           <a:ext uri="{FF2B5EF4-FFF2-40B4-BE49-F238E27FC236}">
-                            <a16:creationId xmlns:a16="http://schemas.microsoft.com/office/drawing/2014/main" id="{12ECFF88-D3E9-4E60-BBF4-DAE544F2288D}"/>
+                            <a16:creationId xmlns:a16="http://schemas.microsoft.com/office/drawing/2014/main" id="{9A07ACB0-AAC6-47E4-BBC0-4550FB75747A}"/>
                           </a:ext>
                         </a:extLst>
                       </p:cNvPr>
@@ -23472,7 +23652,13 @@
                     <p:embed/>
                     <p:pic>
                       <p:nvPicPr>
-                        <p:cNvPr id="0" name="Object 6"/>
+                        <p:cNvPr id="22539" name="Object 6">
+                          <a:extLst>
+                            <a:ext uri="{FF2B5EF4-FFF2-40B4-BE49-F238E27FC236}">
+                              <a16:creationId xmlns:a16="http://schemas.microsoft.com/office/drawing/2014/main" id="{77501172-05AE-4542-BFDA-AE00B5DFCE51}"/>
+                            </a:ext>
+                          </a:extLst>
+                        </p:cNvPr>
                         <p:cNvPicPr>
                           <a:picLocks noChangeAspect="1" noChangeArrowheads="1"/>
                         </p:cNvPicPr>
@@ -23566,7 +23752,13 @@
                     <p:embed/>
                     <p:pic>
                       <p:nvPicPr>
-                        <p:cNvPr id="0" name="Object 7"/>
+                        <p:cNvPr id="22540" name="Object 7">
+                          <a:extLst>
+                            <a:ext uri="{FF2B5EF4-FFF2-40B4-BE49-F238E27FC236}">
+                              <a16:creationId xmlns:a16="http://schemas.microsoft.com/office/drawing/2014/main" id="{405F7205-BA4C-46A1-834F-2626B98DACBC}"/>
+                            </a:ext>
+                          </a:extLst>
+                        </p:cNvPr>
                         <p:cNvPicPr>
                           <a:picLocks noChangeAspect="1" noChangeArrowheads="1"/>
                         </p:cNvPicPr>
@@ -23660,7 +23852,13 @@
                     <p:embed/>
                     <p:pic>
                       <p:nvPicPr>
-                        <p:cNvPr id="0" name="Object 8"/>
+                        <p:cNvPr id="22541" name="Object 8">
+                          <a:extLst>
+                            <a:ext uri="{FF2B5EF4-FFF2-40B4-BE49-F238E27FC236}">
+                              <a16:creationId xmlns:a16="http://schemas.microsoft.com/office/drawing/2014/main" id="{8A4D5751-DB73-4544-97EF-6BA79EB72A17}"/>
+                            </a:ext>
+                          </a:extLst>
+                        </p:cNvPr>
                         <p:cNvPicPr>
                           <a:picLocks noChangeAspect="1" noChangeArrowheads="1"/>
                         </p:cNvPicPr>
@@ -23755,7 +23953,13 @@
                   <p:embed/>
                   <p:pic>
                     <p:nvPicPr>
-                      <p:cNvPr id="0" name="Object 9"/>
+                      <p:cNvPr id="22533" name="Object 9">
+                        <a:extLst>
+                          <a:ext uri="{FF2B5EF4-FFF2-40B4-BE49-F238E27FC236}">
+                            <a16:creationId xmlns:a16="http://schemas.microsoft.com/office/drawing/2014/main" id="{7DF467A6-6885-46D3-B712-67E642B5DDA4}"/>
+                          </a:ext>
+                        </a:extLst>
+                      </p:cNvPr>
                       <p:cNvPicPr>
                         <a:picLocks noChangeAspect="1" noChangeArrowheads="1"/>
                       </p:cNvPicPr>
@@ -24189,7 +24393,13 @@
                   <p:embed/>
                   <p:pic>
                     <p:nvPicPr>
-                      <p:cNvPr id="0" name="Object 12"/>
+                      <p:cNvPr id="22536" name="Object 12">
+                        <a:extLst>
+                          <a:ext uri="{FF2B5EF4-FFF2-40B4-BE49-F238E27FC236}">
+                            <a16:creationId xmlns:a16="http://schemas.microsoft.com/office/drawing/2014/main" id="{5E591B19-65BB-45D0-BAA9-38A466A1F1AA}"/>
+                          </a:ext>
+                        </a:extLst>
+                      </p:cNvPr>
                       <p:cNvPicPr>
                         <a:picLocks noChangeAspect="1" noChangeArrowheads="1"/>
                       </p:cNvPicPr>
@@ -24288,7 +24498,13 @@
                   <p:embed/>
                   <p:pic>
                     <p:nvPicPr>
-                      <p:cNvPr id="0" name="Object 13"/>
+                      <p:cNvPr id="22537" name="Object 13">
+                        <a:extLst>
+                          <a:ext uri="{FF2B5EF4-FFF2-40B4-BE49-F238E27FC236}">
+                            <a16:creationId xmlns:a16="http://schemas.microsoft.com/office/drawing/2014/main" id="{B8FA1AEB-481A-4671-8C85-CE1741E10EBB}"/>
+                          </a:ext>
+                        </a:extLst>
+                      </p:cNvPr>
                       <p:cNvPicPr>
                         <a:picLocks noChangeAspect="1" noChangeArrowheads="1"/>
                       </p:cNvPicPr>
@@ -24805,7 +25021,13 @@
                   <p:embed/>
                   <p:pic>
                     <p:nvPicPr>
-                      <p:cNvPr id="0" name="Object 8"/>
+                      <p:cNvPr id="23556" name="Object 8">
+                        <a:extLst>
+                          <a:ext uri="{FF2B5EF4-FFF2-40B4-BE49-F238E27FC236}">
+                            <a16:creationId xmlns:a16="http://schemas.microsoft.com/office/drawing/2014/main" id="{F50EC5DE-F509-493B-8795-4DBF291B84B0}"/>
+                          </a:ext>
+                        </a:extLst>
+                      </p:cNvPr>
                       <p:cNvPicPr>
                         <a:picLocks noChangeAspect="1" noChangeArrowheads="1"/>
                       </p:cNvPicPr>
@@ -25095,7 +25317,13 @@
                     <p:embed/>
                     <p:pic>
                       <p:nvPicPr>
-                        <p:cNvPr id="0" name="Object 4"/>
+                        <p:cNvPr id="23559" name="Object 4">
+                          <a:extLst>
+                            <a:ext uri="{FF2B5EF4-FFF2-40B4-BE49-F238E27FC236}">
+                              <a16:creationId xmlns:a16="http://schemas.microsoft.com/office/drawing/2014/main" id="{E02DC180-A7A1-4881-B95C-1CD5113123F4}"/>
+                            </a:ext>
+                          </a:extLst>
+                        </p:cNvPr>
                         <p:cNvPicPr>
                           <a:picLocks noChangeAspect="1" noChangeArrowheads="1"/>
                         </p:cNvPicPr>
@@ -25194,7 +25422,13 @@
                     <p:embed/>
                     <p:pic>
                       <p:nvPicPr>
-                        <p:cNvPr id="0" name="Object 5"/>
+                        <p:cNvPr id="23560" name="Object 5">
+                          <a:extLst>
+                            <a:ext uri="{FF2B5EF4-FFF2-40B4-BE49-F238E27FC236}">
+                              <a16:creationId xmlns:a16="http://schemas.microsoft.com/office/drawing/2014/main" id="{ADC9B5DC-ACC5-4346-AAC0-64649AC0DA9F}"/>
+                            </a:ext>
+                          </a:extLst>
+                        </p:cNvPr>
                         <p:cNvPicPr>
                           <a:picLocks noChangeAspect="1" noChangeArrowheads="1"/>
                         </p:cNvPicPr>
